--- a/templates/lyrics.pptx
+++ b/templates/lyrics.pptx
@@ -108,6 +108,11 @@
       </a:defRPr>
     </a:lvl9pPr>
   </p:defaultTextStyle>
+  <p:extLst>
+    <p:ext uri="{EFAFB233-063F-42B5-8137-9DF3F51BA10A}">
+      <p15:sldGuideLst xmlns:p15="http://schemas.microsoft.com/office/powerpoint/2012/main"/>
+    </p:ext>
+  </p:extLst>
 </p:presentation>
 </file>
 
@@ -193,7 +198,7 @@
           <a:p>
             <a:fld id="{2F978397-51B0-4B03-9F25-55447F58E76B}" type="datetimeFigureOut">
               <a:rPr lang="en-AU" smtClean="0"/>
-              <a:t>18/10/2021</a:t>
+              <a:t>26/10/2021</a:t>
             </a:fld>
             <a:endParaRPr lang="en-AU"/>
           </a:p>
@@ -610,7 +615,7 @@
           <a:p>
             <a:fld id="{68BFCBAA-BF3B-40FA-A647-442576AA3584}" type="datetime1">
               <a:rPr lang="en-AU" smtClean="0"/>
-              <a:t>18/10/2021</a:t>
+              <a:t>26/10/2021</a:t>
             </a:fld>
             <a:endParaRPr lang="en-AU"/>
           </a:p>
@@ -813,7 +818,7 @@
           <a:p>
             <a:fld id="{A1B7DCBC-5828-49BC-8716-416DF584160F}" type="datetime1">
               <a:rPr lang="en-AU" smtClean="0"/>
-              <a:t>18/10/2021</a:t>
+              <a:t>26/10/2021</a:t>
             </a:fld>
             <a:endParaRPr lang="en-AU"/>
           </a:p>
@@ -1026,7 +1031,7 @@
           <a:p>
             <a:fld id="{05511791-729B-4725-B193-18B43E37C5FB}" type="datetime1">
               <a:rPr lang="en-AU" smtClean="0"/>
-              <a:t>18/10/2021</a:t>
+              <a:t>26/10/2021</a:t>
             </a:fld>
             <a:endParaRPr lang="en-AU"/>
           </a:p>
@@ -1229,7 +1234,7 @@
           <a:p>
             <a:fld id="{B6972B07-74AF-4EDD-B376-CA584DEE2845}" type="datetime1">
               <a:rPr lang="en-AU" smtClean="0"/>
-              <a:t>18/10/2021</a:t>
+              <a:t>26/10/2021</a:t>
             </a:fld>
             <a:endParaRPr lang="en-AU"/>
           </a:p>
@@ -1508,7 +1513,7 @@
           <a:p>
             <a:fld id="{306CD079-7822-45DD-94D4-AABBD328FD21}" type="datetime1">
               <a:rPr lang="en-AU" smtClean="0"/>
-              <a:t>18/10/2021</a:t>
+              <a:t>26/10/2021</a:t>
             </a:fld>
             <a:endParaRPr lang="en-AU"/>
           </a:p>
@@ -1779,7 +1784,7 @@
           <a:p>
             <a:fld id="{39E61356-AE5B-418D-9566-8FB66244D34C}" type="datetime1">
               <a:rPr lang="en-AU" smtClean="0"/>
-              <a:t>18/10/2021</a:t>
+              <a:t>26/10/2021</a:t>
             </a:fld>
             <a:endParaRPr lang="en-AU"/>
           </a:p>
@@ -2197,7 +2202,7 @@
           <a:p>
             <a:fld id="{B827267F-EC1B-4110-98D4-702C820E1FE7}" type="datetime1">
               <a:rPr lang="en-AU" smtClean="0"/>
-              <a:t>18/10/2021</a:t>
+              <a:t>26/10/2021</a:t>
             </a:fld>
             <a:endParaRPr lang="en-AU"/>
           </a:p>
@@ -2342,7 +2347,7 @@
           <a:p>
             <a:fld id="{50C11F3D-422D-44E5-BBB1-E055DC243EDE}" type="datetime1">
               <a:rPr lang="en-AU" smtClean="0"/>
-              <a:t>18/10/2021</a:t>
+              <a:t>26/10/2021</a:t>
             </a:fld>
             <a:endParaRPr lang="en-AU"/>
           </a:p>
@@ -2458,7 +2463,7 @@
           <a:p>
             <a:fld id="{04DF4C13-5D46-4A04-916A-16D83A716666}" type="datetime1">
               <a:rPr lang="en-AU" smtClean="0"/>
-              <a:t>18/10/2021</a:t>
+              <a:t>26/10/2021</a:t>
             </a:fld>
             <a:endParaRPr lang="en-AU"/>
           </a:p>
@@ -2774,7 +2779,7 @@
           <a:p>
             <a:fld id="{DB637E67-646E-4270-B358-EDFF1D18865D}" type="datetime1">
               <a:rPr lang="en-AU" smtClean="0"/>
-              <a:t>18/10/2021</a:t>
+              <a:t>26/10/2021</a:t>
             </a:fld>
             <a:endParaRPr lang="en-AU"/>
           </a:p>
@@ -3066,7 +3071,7 @@
           <a:p>
             <a:fld id="{AE72D3DD-C9BC-4FAE-B036-1CF59B41B701}" type="datetime1">
               <a:rPr lang="en-AU" smtClean="0"/>
-              <a:t>18/10/2021</a:t>
+              <a:t>26/10/2021</a:t>
             </a:fld>
             <a:endParaRPr lang="en-AU"/>
           </a:p>
@@ -3315,7 +3320,7 @@
           <a:p>
             <a:fld id="{FB1B3AE9-C9BF-4CDD-8BFB-BE4C0EEB7FD4}" type="datetime1">
               <a:rPr lang="en-AU" smtClean="0"/>
-              <a:t>18/10/2021</a:t>
+              <a:t>26/10/2021</a:t>
             </a:fld>
             <a:endParaRPr lang="en-AU"/>
           </a:p>
@@ -3811,18 +3816,13 @@
           <a:lstStyle/>
           <a:p>
             <a:r>
-              <a:rPr lang="en-US" sz="6600" dirty="0">
+              <a:rPr lang="en-AU" sz="6600" dirty="0">
                 <a:solidFill>
                   <a:schemeClr val="bg1"/>
                 </a:solidFill>
               </a:rPr>
-              <a:t>Name</a:t>
-            </a:r>
-            <a:endParaRPr lang="en-AU" sz="6600" dirty="0">
-              <a:solidFill>
-                <a:schemeClr val="bg1"/>
-              </a:solidFill>
-            </a:endParaRPr>
+              <a:t>Title1</a:t>
+            </a:r>
           </a:p>
         </p:txBody>
       </p:sp>
@@ -3850,12 +3850,12 @@
           <a:lstStyle/>
           <a:p>
             <a:r>
-              <a:rPr lang="en-US" sz="4000" dirty="0" err="1">
+              <a:rPr lang="en-AU" sz="4000">
                 <a:solidFill>
                   <a:schemeClr val="bg1"/>
                 </a:solidFill>
               </a:rPr>
-              <a:t>SubTitle</a:t>
+              <a:t>Title2</a:t>
             </a:r>
             <a:endParaRPr lang="en-AU" sz="4000" dirty="0">
               <a:solidFill>
@@ -3966,7 +3966,7 @@
         <p:spPr>
           <a:xfrm>
             <a:off x="0" y="71120"/>
-            <a:ext cx="12192000" cy="3785652"/>
+            <a:ext cx="12192000" cy="1015663"/>
           </a:xfrm>
           <a:prstGeom prst="rect">
             <a:avLst/>
@@ -3981,7 +3981,7 @@
           <a:p>
             <a:pPr algn="ctr"/>
             <a:r>
-              <a:rPr lang="zh-TW" altLang="en-US" sz="6000" dirty="0">
+              <a:rPr lang="en-AU" altLang="zh-TW" sz="6000" dirty="0">
                 <a:solidFill>
                   <a:schemeClr val="bg1"/>
                 </a:solidFill>
@@ -3990,76 +3990,7 @@
                 <a:cs typeface="Arial"/>
                 <a:sym typeface="Arial"/>
               </a:rPr>
-              <a:t>願你的崇高過於諸天</a:t>
-            </a:r>
-            <a:br>
-              <a:rPr lang="zh-TW" altLang="en-US" sz="6000" dirty="0">
-                <a:solidFill>
-                  <a:schemeClr val="bg1"/>
-                </a:solidFill>
-                <a:latin typeface="Arial"/>
-                <a:ea typeface="Arial"/>
-                <a:cs typeface="Arial"/>
-                <a:sym typeface="Arial"/>
-              </a:rPr>
-            </a:br>
-            <a:r>
-              <a:rPr lang="zh-TW" altLang="en-US" sz="6000" dirty="0">
-                <a:solidFill>
-                  <a:schemeClr val="bg1"/>
-                </a:solidFill>
-                <a:latin typeface="Arial"/>
-                <a:ea typeface="Arial"/>
-                <a:cs typeface="Arial"/>
-                <a:sym typeface="Arial"/>
-              </a:rPr>
-              <a:t>你的榮耀高過全地</a:t>
-            </a:r>
-            <a:br>
-              <a:rPr lang="zh-TW" altLang="en-US" sz="6000" dirty="0">
-                <a:solidFill>
-                  <a:schemeClr val="bg1"/>
-                </a:solidFill>
-                <a:latin typeface="Arial"/>
-                <a:ea typeface="Arial"/>
-                <a:cs typeface="Arial"/>
-                <a:sym typeface="Arial"/>
-              </a:rPr>
-            </a:br>
-            <a:r>
-              <a:rPr lang="zh-TW" altLang="en-US" sz="6000" dirty="0">
-                <a:solidFill>
-                  <a:schemeClr val="bg1"/>
-                </a:solidFill>
-                <a:latin typeface="Arial"/>
-                <a:ea typeface="Arial"/>
-                <a:cs typeface="Arial"/>
-                <a:sym typeface="Arial"/>
-              </a:rPr>
-              <a:t>你統管萬有，你治理列邦</a:t>
-            </a:r>
-            <a:br>
-              <a:rPr lang="zh-TW" altLang="en-US" sz="6000" dirty="0">
-                <a:solidFill>
-                  <a:schemeClr val="bg1"/>
-                </a:solidFill>
-                <a:latin typeface="Arial"/>
-                <a:ea typeface="Arial"/>
-                <a:cs typeface="Arial"/>
-                <a:sym typeface="Arial"/>
-              </a:rPr>
-            </a:br>
-            <a:r>
-              <a:rPr lang="zh-TW" altLang="en-US" sz="6000" dirty="0">
-                <a:solidFill>
-                  <a:schemeClr val="bg1"/>
-                </a:solidFill>
-                <a:latin typeface="Arial"/>
-                <a:ea typeface="Arial"/>
-                <a:cs typeface="Arial"/>
-                <a:sym typeface="Arial"/>
-              </a:rPr>
-              <a:t>萬國萬民都敬拜你</a:t>
+              <a:t>Content1</a:t>
             </a:r>
             <a:endParaRPr lang="en-AU" sz="6000" dirty="0">
               <a:solidFill>
@@ -4084,7 +4015,7 @@
         <p:spPr>
           <a:xfrm>
             <a:off x="0" y="3850640"/>
-            <a:ext cx="12192000" cy="2554545"/>
+            <a:ext cx="12192000" cy="707886"/>
           </a:xfrm>
           <a:prstGeom prst="rect">
             <a:avLst/>
@@ -4099,7 +4030,7 @@
           <a:p>
             <a:pPr algn="ctr"/>
             <a:r>
-              <a:rPr kumimoji="0" lang="en-AU" sz="4000" b="0" i="0" u="none" strike="noStrike" kern="0" cap="none" spc="0" normalizeH="0" baseline="0" noProof="0">
+              <a:rPr kumimoji="0" lang="en-AU" sz="4000" b="0" i="0" u="none" strike="noStrike" kern="0" cap="none" spc="0" normalizeH="0" baseline="0" noProof="0" dirty="0">
                 <a:ln>
                   <a:noFill/>
                 </a:ln>
@@ -4114,112 +4045,7 @@
                 <a:cs typeface="Arial"/>
                 <a:sym typeface="Arial"/>
               </a:rPr>
-              <a:t>yuàn nǐ de chóng gāo guò yú zhū tiān </a:t>
-            </a:r>
-            <a:br>
-              <a:rPr kumimoji="0" lang="en-AU" sz="4000" b="0" i="0" u="none" strike="noStrike" kern="0" cap="none" spc="0" normalizeH="0" baseline="0" noProof="0">
-                <a:ln>
-                  <a:noFill/>
-                </a:ln>
-                <a:solidFill>
-                  <a:srgbClr val="FFFFFF"/>
-                </a:solidFill>
-                <a:effectLst/>
-                <a:uLnTx/>
-                <a:uFillTx/>
-                <a:latin typeface="Arial"/>
-                <a:ea typeface="Arial"/>
-                <a:cs typeface="Arial"/>
-                <a:sym typeface="Arial"/>
-              </a:rPr>
-            </a:br>
-            <a:r>
-              <a:rPr kumimoji="0" lang="en-AU" sz="4000" b="0" i="0" u="none" strike="noStrike" kern="0" cap="none" spc="0" normalizeH="0" baseline="0" noProof="0">
-                <a:ln>
-                  <a:noFill/>
-                </a:ln>
-                <a:solidFill>
-                  <a:srgbClr val="FFFFFF"/>
-                </a:solidFill>
-                <a:effectLst/>
-                <a:uLnTx/>
-                <a:uFillTx/>
-                <a:latin typeface="Arial"/>
-                <a:ea typeface="Arial"/>
-                <a:cs typeface="Arial"/>
-                <a:sym typeface="Arial"/>
-              </a:rPr>
-              <a:t>nǐ de róng yào gāo guò quán dì </a:t>
-            </a:r>
-            <a:br>
-              <a:rPr kumimoji="0" lang="en-AU" sz="4000" b="0" i="0" u="none" strike="noStrike" kern="0" cap="none" spc="0" normalizeH="0" baseline="0" noProof="0">
-                <a:ln>
-                  <a:noFill/>
-                </a:ln>
-                <a:solidFill>
-                  <a:srgbClr val="FFFFFF"/>
-                </a:solidFill>
-                <a:effectLst/>
-                <a:uLnTx/>
-                <a:uFillTx/>
-                <a:latin typeface="Arial"/>
-                <a:ea typeface="Arial"/>
-                <a:cs typeface="Arial"/>
-                <a:sym typeface="Arial"/>
-              </a:rPr>
-            </a:br>
-            <a:r>
-              <a:rPr kumimoji="0" lang="en-AU" sz="4000" b="0" i="0" u="none" strike="noStrike" kern="0" cap="none" spc="0" normalizeH="0" baseline="0" noProof="0">
-                <a:ln>
-                  <a:noFill/>
-                </a:ln>
-                <a:solidFill>
-                  <a:srgbClr val="FFFFFF"/>
-                </a:solidFill>
-                <a:effectLst/>
-                <a:uLnTx/>
-                <a:uFillTx/>
-                <a:latin typeface="Arial"/>
-                <a:ea typeface="Arial"/>
-                <a:cs typeface="Arial"/>
-                <a:sym typeface="Arial"/>
-              </a:rPr>
-              <a:t>nǐ tǒng guǎn wàn yǒu ，nǐ zhì lǐ liè bāng </a:t>
-            </a:r>
-            <a:br>
-              <a:rPr kumimoji="0" lang="en-AU" sz="4000" b="0" i="0" u="none" strike="noStrike" kern="0" cap="none" spc="0" normalizeH="0" baseline="0" noProof="0">
-                <a:ln>
-                  <a:noFill/>
-                </a:ln>
-                <a:solidFill>
-                  <a:srgbClr val="FFFFFF"/>
-                </a:solidFill>
-                <a:effectLst/>
-                <a:uLnTx/>
-                <a:uFillTx/>
-                <a:latin typeface="Arial"/>
-                <a:ea typeface="Arial"/>
-                <a:cs typeface="Arial"/>
-                <a:sym typeface="Arial"/>
-              </a:rPr>
-            </a:br>
-            <a:r>
-              <a:rPr kumimoji="0" lang="en-AU" sz="4000" b="0" i="0" u="none" strike="noStrike" kern="0" cap="none" spc="0" normalizeH="0" baseline="0" noProof="0">
-                <a:ln>
-                  <a:noFill/>
-                </a:ln>
-                <a:solidFill>
-                  <a:srgbClr val="FFFFFF"/>
-                </a:solidFill>
-                <a:effectLst/>
-                <a:uLnTx/>
-                <a:uFillTx/>
-                <a:latin typeface="Arial"/>
-                <a:ea typeface="Arial"/>
-                <a:cs typeface="Arial"/>
-                <a:sym typeface="Arial"/>
-              </a:rPr>
-              <a:t>wàn guó wàn mín dōu jìng bài nǐ</a:t>
+              <a:t>Content2</a:t>
             </a:r>
             <a:endParaRPr lang="en-AU" sz="4000" dirty="0"/>
           </a:p>
